--- a/slide/themes/src/08_safari.pptx
+++ b/slide/themes/src/08_safari.pptx
@@ -11,7 +11,7 @@
   <p:notesSz cx="6858000" cy="9144000"/>
   <p:defaultTextStyle>
     <a:defPPr>
-      <a:defRPr lang="ru-RU"/>
+      <a:defRPr lang="en-US"/>
     </a:defPPr>
     <a:lvl1pPr marL="0" algn="l" defTabSz="914400" rtl="0" eaLnBrk="1" latinLnBrk="0" hangingPunct="1">
       <a:defRPr sz="1800" kern="1200">
@@ -140,7 +140,7 @@
       </p:grpSpPr>
       <p:sp>
         <p:nvSpPr>
-          <p:cNvPr id="12" name="Прямоугольник 11"/>
+          <p:cNvPr id="12" name="Rectangle 11"/>
           <p:cNvSpPr/>
           <p:nvPr userDrawn="1"/>
         </p:nvSpPr>
@@ -183,13 +183,13 @@
           <a:lstStyle/>
           <a:p>
             <a:pPr algn="ctr"/>
-            <a:endParaRPr lang="ru-RU"/>
-          </a:p>
-        </p:txBody>
-      </p:sp>
-      <p:sp>
-        <p:nvSpPr>
-          <p:cNvPr id="4" name="Прямоугольник 3"/>
+            <a:endParaRPr lang="en-US"/>
+          </a:p>
+        </p:txBody>
+      </p:sp>
+      <p:sp>
+        <p:nvSpPr>
+          <p:cNvPr id="4" name="Rectangle 3"/>
           <p:cNvSpPr/>
           <p:nvPr userDrawn="1"/>
         </p:nvSpPr>
@@ -236,7 +236,7 @@
           <a:lstStyle/>
           <a:p>
             <a:pPr algn="ctr"/>
-            <a:endParaRPr lang="ru-RU"/>
+            <a:endParaRPr lang="en-US"/>
           </a:p>
         </p:txBody>
       </p:sp>
@@ -284,8 +284,8 @@
           </a:lstStyle>
           <a:p>
             <a:r>
-              <a:rPr lang="ru-RU" dirty="0" smtClean="0"/>
-              <a:t>Образец заголовка</a:t>
+              <a:rPr lang="en-US" dirty="0" smtClean="0"/>
+              <a:t>Click to edit Master title style</a:t>
             </a:r>
             <a:endParaRPr lang="en-US" dirty="0"/>
           </a:p>
@@ -406,8 +406,8 @@
           </a:lstStyle>
           <a:p>
             <a:r>
-              <a:rPr lang="ru-RU" dirty="0" smtClean="0"/>
-              <a:t>Образец подзаголовка</a:t>
+              <a:rPr lang="en-US" dirty="0" smtClean="0"/>
+              <a:t>Click to edit Master subtitle style</a:t>
             </a:r>
             <a:endParaRPr lang="en-US" dirty="0"/>
           </a:p>
@@ -415,7 +415,7 @@
       </p:sp>
       <p:sp>
         <p:nvSpPr>
-          <p:cNvPr id="13" name="Прямоугольник 12"/>
+          <p:cNvPr id="13" name="Rectangle 12"/>
           <p:cNvSpPr/>
           <p:nvPr userDrawn="1"/>
         </p:nvSpPr>
@@ -458,13 +458,13 @@
           <a:lstStyle/>
           <a:p>
             <a:pPr algn="ctr"/>
-            <a:endParaRPr lang="ru-RU"/>
-          </a:p>
-        </p:txBody>
-      </p:sp>
-      <p:sp>
-        <p:nvSpPr>
-          <p:cNvPr id="8" name="Дата 4"/>
+            <a:endParaRPr lang="en-US"/>
+          </a:p>
+        </p:txBody>
+      </p:sp>
+      <p:sp>
+        <p:nvSpPr>
+          <p:cNvPr id="8" name="Date Placeholder 4"/>
           <p:cNvSpPr>
             <a:spLocks noGrp="1"/>
           </p:cNvSpPr>
@@ -494,17 +494,17 @@
           </a:lstStyle>
           <a:p>
             <a:fld id="{51E84241-D031-42DE-84E4-CC10C30232F4}" type="datetimeFigureOut">
-              <a:rPr lang="ru-RU" smtClean="0"/>
+              <a:rPr lang="en-US" smtClean="0"/>
               <a:pPr/>
               <a:t>22.10.2013</a:t>
             </a:fld>
-            <a:endParaRPr lang="ru-RU" dirty="0"/>
-          </a:p>
-        </p:txBody>
-      </p:sp>
-      <p:sp>
-        <p:nvSpPr>
-          <p:cNvPr id="9" name="Нижний колонтитул 5"/>
+            <a:endParaRPr lang="en-US" dirty="0"/>
+          </a:p>
+        </p:txBody>
+      </p:sp>
+      <p:sp>
+        <p:nvSpPr>
+          <p:cNvPr id="9" name="Footer Placeholder 5"/>
           <p:cNvSpPr>
             <a:spLocks noGrp="1"/>
           </p:cNvSpPr>
@@ -533,13 +533,13 @@
             </a:lvl1pPr>
           </a:lstStyle>
           <a:p>
-            <a:endParaRPr lang="ru-RU"/>
-          </a:p>
-        </p:txBody>
-      </p:sp>
-      <p:sp>
-        <p:nvSpPr>
-          <p:cNvPr id="10" name="Номер слайда 6"/>
+            <a:endParaRPr lang="en-US"/>
+          </a:p>
+        </p:txBody>
+      </p:sp>
+      <p:sp>
+        <p:nvSpPr>
+          <p:cNvPr id="10" name="Slide Number Placeholder 6"/>
           <p:cNvSpPr>
             <a:spLocks noGrp="1"/>
           </p:cNvSpPr>
@@ -569,11 +569,11 @@
           </a:lstStyle>
           <a:p>
             <a:fld id="{6B5AA3AA-5EA9-4976-BF6C-9891F6110747}" type="slidenum">
-              <a:rPr lang="ru-RU" smtClean="0"/>
+              <a:rPr lang="en-US" smtClean="0"/>
               <a:pPr/>
               <a:t>‹#›</a:t>
             </a:fld>
-            <a:endParaRPr lang="ru-RU"/>
+            <a:endParaRPr lang="en-US"/>
           </a:p>
         </p:txBody>
       </p:sp>
@@ -618,8 +618,8 @@
           <a:lstStyle/>
           <a:p>
             <a:r>
-              <a:rPr lang="ru-RU" dirty="0" smtClean="0"/>
-              <a:t>Образец заголовка</a:t>
+              <a:rPr lang="en-US" dirty="0" smtClean="0"/>
+              <a:t>Click to edit Master title style</a:t>
             </a:r>
             <a:endParaRPr lang="en-US" dirty="0"/>
           </a:p>
@@ -668,15 +668,15 @@
           <a:p>
             <a:pPr lvl="0"/>
             <a:r>
-              <a:rPr lang="ru-RU" dirty="0" smtClean="0"/>
-              <a:t>Образец текста</a:t>
+              <a:rPr lang="en-US" dirty="0" smtClean="0"/>
+              <a:t>Click to edit Master text styles</a:t>
             </a:r>
           </a:p>
         </p:txBody>
       </p:sp>
       <p:sp>
         <p:nvSpPr>
-          <p:cNvPr id="8" name="Дата 4"/>
+          <p:cNvPr id="8" name="Date Placeholder 4"/>
           <p:cNvSpPr>
             <a:spLocks noGrp="1"/>
           </p:cNvSpPr>
@@ -706,17 +706,17 @@
           </a:lstStyle>
           <a:p>
             <a:fld id="{51E84241-D031-42DE-84E4-CC10C30232F4}" type="datetimeFigureOut">
-              <a:rPr lang="ru-RU" smtClean="0"/>
+              <a:rPr lang="en-US" smtClean="0"/>
               <a:pPr/>
               <a:t>22.10.2013</a:t>
             </a:fld>
-            <a:endParaRPr lang="ru-RU" dirty="0"/>
-          </a:p>
-        </p:txBody>
-      </p:sp>
-      <p:sp>
-        <p:nvSpPr>
-          <p:cNvPr id="9" name="Нижний колонтитул 5"/>
+            <a:endParaRPr lang="en-US" dirty="0"/>
+          </a:p>
+        </p:txBody>
+      </p:sp>
+      <p:sp>
+        <p:nvSpPr>
+          <p:cNvPr id="9" name="Footer Placeholder 5"/>
           <p:cNvSpPr>
             <a:spLocks noGrp="1"/>
           </p:cNvSpPr>
@@ -745,13 +745,13 @@
             </a:lvl1pPr>
           </a:lstStyle>
           <a:p>
-            <a:endParaRPr lang="ru-RU"/>
-          </a:p>
-        </p:txBody>
-      </p:sp>
-      <p:sp>
-        <p:nvSpPr>
-          <p:cNvPr id="10" name="Номер слайда 6"/>
+            <a:endParaRPr lang="en-US"/>
+          </a:p>
+        </p:txBody>
+      </p:sp>
+      <p:sp>
+        <p:nvSpPr>
+          <p:cNvPr id="10" name="Slide Number Placeholder 6"/>
           <p:cNvSpPr>
             <a:spLocks noGrp="1"/>
           </p:cNvSpPr>
@@ -781,11 +781,11 @@
           </a:lstStyle>
           <a:p>
             <a:fld id="{6B5AA3AA-5EA9-4976-BF6C-9891F6110747}" type="slidenum">
-              <a:rPr lang="ru-RU" smtClean="0"/>
+              <a:rPr lang="en-US" smtClean="0"/>
               <a:pPr/>
               <a:t>‹#›</a:t>
             </a:fld>
-            <a:endParaRPr lang="ru-RU"/>
+            <a:endParaRPr lang="en-US"/>
           </a:p>
         </p:txBody>
       </p:sp>
@@ -830,8 +830,8 @@
           <a:lstStyle/>
           <a:p>
             <a:r>
-              <a:rPr lang="ru-RU" dirty="0" smtClean="0"/>
-              <a:t>Образец заголовка</a:t>
+              <a:rPr lang="en-US" dirty="0" smtClean="0"/>
+              <a:t>Click to edit Master title style</a:t>
             </a:r>
             <a:endParaRPr lang="en-US" dirty="0"/>
           </a:p>
@@ -891,8 +891,8 @@
               <a:t> </a:t>
             </a:r>
             <a:r>
-              <a:rPr lang="ru-RU" dirty="0" smtClean="0"/>
-              <a:t>Образец текста</a:t>
+              <a:rPr lang="en-US" dirty="0" smtClean="0"/>
+              <a:t>Click to edit Master text styles</a:t>
             </a:r>
           </a:p>
         </p:txBody>
@@ -939,15 +939,15 @@
               <a:t> </a:t>
             </a:r>
             <a:r>
-              <a:rPr lang="ru-RU" dirty="0" smtClean="0"/>
-              <a:t>Образец текста</a:t>
+              <a:rPr lang="en-US" dirty="0" smtClean="0"/>
+              <a:t>Click to edit Master text styles</a:t>
             </a:r>
           </a:p>
         </p:txBody>
       </p:sp>
       <p:sp>
         <p:nvSpPr>
-          <p:cNvPr id="8" name="Дата 4"/>
+          <p:cNvPr id="8" name="Date Placeholder 4"/>
           <p:cNvSpPr>
             <a:spLocks noGrp="1"/>
           </p:cNvSpPr>
@@ -977,17 +977,17 @@
           </a:lstStyle>
           <a:p>
             <a:fld id="{51E84241-D031-42DE-84E4-CC10C30232F4}" type="datetimeFigureOut">
-              <a:rPr lang="ru-RU" smtClean="0"/>
+              <a:rPr lang="en-US" smtClean="0"/>
               <a:pPr/>
               <a:t>22.10.2013</a:t>
             </a:fld>
-            <a:endParaRPr lang="ru-RU" dirty="0"/>
-          </a:p>
-        </p:txBody>
-      </p:sp>
-      <p:sp>
-        <p:nvSpPr>
-          <p:cNvPr id="9" name="Нижний колонтитул 5"/>
+            <a:endParaRPr lang="en-US" dirty="0"/>
+          </a:p>
+        </p:txBody>
+      </p:sp>
+      <p:sp>
+        <p:nvSpPr>
+          <p:cNvPr id="9" name="Footer Placeholder 5"/>
           <p:cNvSpPr>
             <a:spLocks noGrp="1"/>
           </p:cNvSpPr>
@@ -1016,13 +1016,13 @@
             </a:lvl1pPr>
           </a:lstStyle>
           <a:p>
-            <a:endParaRPr lang="ru-RU"/>
-          </a:p>
-        </p:txBody>
-      </p:sp>
-      <p:sp>
-        <p:nvSpPr>
-          <p:cNvPr id="10" name="Номер слайда 6"/>
+            <a:endParaRPr lang="en-US"/>
+          </a:p>
+        </p:txBody>
+      </p:sp>
+      <p:sp>
+        <p:nvSpPr>
+          <p:cNvPr id="10" name="Slide Number Placeholder 6"/>
           <p:cNvSpPr>
             <a:spLocks noGrp="1"/>
           </p:cNvSpPr>
@@ -1052,11 +1052,11 @@
           </a:lstStyle>
           <a:p>
             <a:fld id="{6B5AA3AA-5EA9-4976-BF6C-9891F6110747}" type="slidenum">
-              <a:rPr lang="ru-RU" smtClean="0"/>
+              <a:rPr lang="en-US" smtClean="0"/>
               <a:pPr/>
               <a:t>‹#›</a:t>
             </a:fld>
-            <a:endParaRPr lang="ru-RU"/>
+            <a:endParaRPr lang="en-US"/>
           </a:p>
         </p:txBody>
       </p:sp>
@@ -1105,8 +1105,8 @@
           </a:lstStyle>
           <a:p>
             <a:r>
-              <a:rPr lang="ru-RU" smtClean="0"/>
-              <a:t>Образец заголовка</a:t>
+              <a:rPr lang="en-US" smtClean="0"/>
+              <a:t>Click to edit Master title style</a:t>
             </a:r>
             <a:endParaRPr lang="en-US"/>
           </a:p>
@@ -1173,8 +1173,8 @@
           <a:p>
             <a:pPr lvl="0"/>
             <a:r>
-              <a:rPr lang="ru-RU" smtClean="0"/>
-              <a:t>Образец текста</a:t>
+              <a:rPr lang="en-US" smtClean="0"/>
+              <a:t>Click to edit Master text styles</a:t>
             </a:r>
           </a:p>
         </p:txBody>
@@ -1240,8 +1240,8 @@
           <a:p>
             <a:pPr lvl="0"/>
             <a:r>
-              <a:rPr lang="ru-RU" smtClean="0"/>
-              <a:t>Образец текста</a:t>
+              <a:rPr lang="en-US" smtClean="0"/>
+              <a:t>Click to edit Master text styles</a:t>
             </a:r>
           </a:p>
         </p:txBody>
@@ -1268,36 +1268,36 @@
           <a:p>
             <a:pPr lvl="0"/>
             <a:r>
-              <a:rPr lang="ru-RU" smtClean="0"/>
-              <a:t>Образец текста</a:t>
+              <a:rPr lang="en-US" smtClean="0"/>
+              <a:t>Click to edit Master text styles</a:t>
             </a:r>
           </a:p>
           <a:p>
             <a:pPr lvl="1"/>
             <a:r>
-              <a:rPr lang="ru-RU" smtClean="0"/>
-              <a:t>Второй уровень</a:t>
+              <a:rPr lang="en-US" smtClean="0"/>
+              <a:t>Second level</a:t>
             </a:r>
           </a:p>
           <a:p>
             <a:pPr lvl="2"/>
             <a:r>
-              <a:rPr lang="ru-RU" smtClean="0"/>
-              <a:t>Третий уровень</a:t>
+              <a:rPr lang="en-US" smtClean="0"/>
+              <a:t>Third level</a:t>
             </a:r>
           </a:p>
           <a:p>
             <a:pPr lvl="3"/>
             <a:r>
-              <a:rPr lang="ru-RU" smtClean="0"/>
-              <a:t>Четвертый уровень</a:t>
+              <a:rPr lang="en-US" smtClean="0"/>
+              <a:t>Fourth level</a:t>
             </a:r>
           </a:p>
           <a:p>
             <a:pPr lvl="4"/>
             <a:r>
-              <a:rPr lang="ru-RU" smtClean="0"/>
-              <a:t>Пятый уровень</a:t>
+              <a:rPr lang="en-US" smtClean="0"/>
+              <a:t>Fifth level</a:t>
             </a:r>
             <a:endParaRPr lang="en-US" dirty="0"/>
           </a:p>
@@ -1325,36 +1325,36 @@
           <a:p>
             <a:pPr lvl="0"/>
             <a:r>
-              <a:rPr lang="ru-RU" smtClean="0"/>
-              <a:t>Образец текста</a:t>
+              <a:rPr lang="en-US" smtClean="0"/>
+              <a:t>Click to edit Master text styles</a:t>
             </a:r>
           </a:p>
           <a:p>
             <a:pPr lvl="1"/>
             <a:r>
-              <a:rPr lang="ru-RU" smtClean="0"/>
-              <a:t>Второй уровень</a:t>
+              <a:rPr lang="en-US" smtClean="0"/>
+              <a:t>Second level</a:t>
             </a:r>
           </a:p>
           <a:p>
             <a:pPr lvl="2"/>
             <a:r>
-              <a:rPr lang="ru-RU" smtClean="0"/>
-              <a:t>Третий уровень</a:t>
+              <a:rPr lang="en-US" smtClean="0"/>
+              <a:t>Third level</a:t>
             </a:r>
           </a:p>
           <a:p>
             <a:pPr lvl="3"/>
             <a:r>
-              <a:rPr lang="ru-RU" smtClean="0"/>
-              <a:t>Четвертый уровень</a:t>
+              <a:rPr lang="en-US" smtClean="0"/>
+              <a:t>Fourth level</a:t>
             </a:r>
           </a:p>
           <a:p>
             <a:pPr lvl="4"/>
             <a:r>
-              <a:rPr lang="ru-RU" smtClean="0"/>
-              <a:t>Пятый уровень</a:t>
+              <a:rPr lang="en-US" smtClean="0"/>
+              <a:t>Fifth level</a:t>
             </a:r>
             <a:endParaRPr lang="en-US" dirty="0"/>
           </a:p>
@@ -1362,7 +1362,7 @@
       </p:sp>
       <p:sp>
         <p:nvSpPr>
-          <p:cNvPr id="8" name="Дата 4"/>
+          <p:cNvPr id="8" name="Date Placeholder 4"/>
           <p:cNvSpPr>
             <a:spLocks noGrp="1"/>
           </p:cNvSpPr>
@@ -1392,17 +1392,17 @@
           </a:lstStyle>
           <a:p>
             <a:fld id="{51E84241-D031-42DE-84E4-CC10C30232F4}" type="datetimeFigureOut">
-              <a:rPr lang="ru-RU" smtClean="0"/>
+              <a:rPr lang="en-US" smtClean="0"/>
               <a:pPr/>
               <a:t>22.10.2013</a:t>
             </a:fld>
-            <a:endParaRPr lang="ru-RU" dirty="0"/>
-          </a:p>
-        </p:txBody>
-      </p:sp>
-      <p:sp>
-        <p:nvSpPr>
-          <p:cNvPr id="9" name="Нижний колонтитул 5"/>
+            <a:endParaRPr lang="en-US" dirty="0"/>
+          </a:p>
+        </p:txBody>
+      </p:sp>
+      <p:sp>
+        <p:nvSpPr>
+          <p:cNvPr id="9" name="Footer Placeholder 5"/>
           <p:cNvSpPr>
             <a:spLocks noGrp="1"/>
           </p:cNvSpPr>
@@ -1431,13 +1431,13 @@
             </a:lvl1pPr>
           </a:lstStyle>
           <a:p>
-            <a:endParaRPr lang="ru-RU"/>
-          </a:p>
-        </p:txBody>
-      </p:sp>
-      <p:sp>
-        <p:nvSpPr>
-          <p:cNvPr id="10" name="Номер слайда 6"/>
+            <a:endParaRPr lang="en-US"/>
+          </a:p>
+        </p:txBody>
+      </p:sp>
+      <p:sp>
+        <p:nvSpPr>
+          <p:cNvPr id="10" name="Slide Number Placeholder 6"/>
           <p:cNvSpPr>
             <a:spLocks noGrp="1"/>
           </p:cNvSpPr>
@@ -1467,11 +1467,11 @@
           </a:lstStyle>
           <a:p>
             <a:fld id="{6B5AA3AA-5EA9-4976-BF6C-9891F6110747}" type="slidenum">
-              <a:rPr lang="ru-RU" smtClean="0"/>
+              <a:rPr lang="en-US" smtClean="0"/>
               <a:pPr/>
               <a:t>‹#›</a:t>
             </a:fld>
-            <a:endParaRPr lang="ru-RU"/>
+            <a:endParaRPr lang="en-US"/>
           </a:p>
         </p:txBody>
       </p:sp>
@@ -1516,8 +1516,8 @@
           <a:lstStyle/>
           <a:p>
             <a:r>
-              <a:rPr lang="ru-RU" smtClean="0"/>
-              <a:t>Образец заголовка</a:t>
+              <a:rPr lang="en-US" smtClean="0"/>
+              <a:t>Click to edit Master title style</a:t>
             </a:r>
             <a:endParaRPr lang="en-US" dirty="0"/>
           </a:p>
@@ -1525,7 +1525,7 @@
       </p:sp>
       <p:sp>
         <p:nvSpPr>
-          <p:cNvPr id="8" name="Дата 4"/>
+          <p:cNvPr id="8" name="Date Placeholder 4"/>
           <p:cNvSpPr>
             <a:spLocks noGrp="1"/>
           </p:cNvSpPr>
@@ -1555,17 +1555,17 @@
           </a:lstStyle>
           <a:p>
             <a:fld id="{51E84241-D031-42DE-84E4-CC10C30232F4}" type="datetimeFigureOut">
-              <a:rPr lang="ru-RU" smtClean="0"/>
+              <a:rPr lang="en-US" smtClean="0"/>
               <a:pPr/>
               <a:t>22.10.2013</a:t>
             </a:fld>
-            <a:endParaRPr lang="ru-RU" dirty="0"/>
-          </a:p>
-        </p:txBody>
-      </p:sp>
-      <p:sp>
-        <p:nvSpPr>
-          <p:cNvPr id="9" name="Нижний колонтитул 5"/>
+            <a:endParaRPr lang="en-US" dirty="0"/>
+          </a:p>
+        </p:txBody>
+      </p:sp>
+      <p:sp>
+        <p:nvSpPr>
+          <p:cNvPr id="9" name="Footer Placeholder 5"/>
           <p:cNvSpPr>
             <a:spLocks noGrp="1"/>
           </p:cNvSpPr>
@@ -1594,13 +1594,13 @@
             </a:lvl1pPr>
           </a:lstStyle>
           <a:p>
-            <a:endParaRPr lang="ru-RU"/>
-          </a:p>
-        </p:txBody>
-      </p:sp>
-      <p:sp>
-        <p:nvSpPr>
-          <p:cNvPr id="10" name="Номер слайда 6"/>
+            <a:endParaRPr lang="en-US"/>
+          </a:p>
+        </p:txBody>
+      </p:sp>
+      <p:sp>
+        <p:nvSpPr>
+          <p:cNvPr id="10" name="Slide Number Placeholder 6"/>
           <p:cNvSpPr>
             <a:spLocks noGrp="1"/>
           </p:cNvSpPr>
@@ -1630,11 +1630,11 @@
           </a:lstStyle>
           <a:p>
             <a:fld id="{6B5AA3AA-5EA9-4976-BF6C-9891F6110747}" type="slidenum">
-              <a:rPr lang="ru-RU" smtClean="0"/>
+              <a:rPr lang="en-US" smtClean="0"/>
               <a:pPr/>
               <a:t>‹#›</a:t>
             </a:fld>
-            <a:endParaRPr lang="ru-RU"/>
+            <a:endParaRPr lang="en-US"/>
           </a:p>
         </p:txBody>
       </p:sp>
@@ -1665,7 +1665,7 @@
       </p:grpSpPr>
       <p:sp>
         <p:nvSpPr>
-          <p:cNvPr id="8" name="Дата 4"/>
+          <p:cNvPr id="8" name="Date Placeholder 4"/>
           <p:cNvSpPr>
             <a:spLocks noGrp="1"/>
           </p:cNvSpPr>
@@ -1695,17 +1695,17 @@
           </a:lstStyle>
           <a:p>
             <a:fld id="{51E84241-D031-42DE-84E4-CC10C30232F4}" type="datetimeFigureOut">
-              <a:rPr lang="ru-RU" smtClean="0"/>
+              <a:rPr lang="en-US" smtClean="0"/>
               <a:pPr/>
               <a:t>22.10.2013</a:t>
             </a:fld>
-            <a:endParaRPr lang="ru-RU" dirty="0"/>
-          </a:p>
-        </p:txBody>
-      </p:sp>
-      <p:sp>
-        <p:nvSpPr>
-          <p:cNvPr id="9" name="Нижний колонтитул 5"/>
+            <a:endParaRPr lang="en-US" dirty="0"/>
+          </a:p>
+        </p:txBody>
+      </p:sp>
+      <p:sp>
+        <p:nvSpPr>
+          <p:cNvPr id="9" name="Footer Placeholder 5"/>
           <p:cNvSpPr>
             <a:spLocks noGrp="1"/>
           </p:cNvSpPr>
@@ -1734,13 +1734,13 @@
             </a:lvl1pPr>
           </a:lstStyle>
           <a:p>
-            <a:endParaRPr lang="ru-RU"/>
-          </a:p>
-        </p:txBody>
-      </p:sp>
-      <p:sp>
-        <p:nvSpPr>
-          <p:cNvPr id="10" name="Номер слайда 6"/>
+            <a:endParaRPr lang="en-US"/>
+          </a:p>
+        </p:txBody>
+      </p:sp>
+      <p:sp>
+        <p:nvSpPr>
+          <p:cNvPr id="10" name="Slide Number Placeholder 6"/>
           <p:cNvSpPr>
             <a:spLocks noGrp="1"/>
           </p:cNvSpPr>
@@ -1770,11 +1770,11 @@
           </a:lstStyle>
           <a:p>
             <a:fld id="{6B5AA3AA-5EA9-4976-BF6C-9891F6110747}" type="slidenum">
-              <a:rPr lang="ru-RU" smtClean="0"/>
+              <a:rPr lang="en-US" smtClean="0"/>
               <a:pPr/>
               <a:t>‹#›</a:t>
             </a:fld>
-            <a:endParaRPr lang="ru-RU"/>
+            <a:endParaRPr lang="en-US"/>
           </a:p>
         </p:txBody>
       </p:sp>
@@ -1887,8 +1887,8 @@
           </a:lstStyle>
           <a:p>
             <a:r>
-              <a:rPr lang="ru-RU" dirty="0" smtClean="0"/>
-              <a:t>Вставка рисунка</a:t>
+              <a:rPr lang="en-US" dirty="0" smtClean="0"/>
+              <a:t>Click icon to add picture</a:t>
             </a:r>
             <a:endParaRPr lang="en-US" dirty="0"/>
           </a:p>
@@ -1955,8 +1955,8 @@
           <a:p>
             <a:pPr lvl="0"/>
             <a:r>
-              <a:rPr lang="ru-RU" dirty="0" smtClean="0"/>
-              <a:t>Образец текста</a:t>
+              <a:rPr lang="en-US" dirty="0" smtClean="0"/>
+              <a:t>Click to edit Master text styles</a:t>
             </a:r>
           </a:p>
         </p:txBody>
@@ -2058,8 +2058,8 @@
           <a:lstStyle/>
           <a:p>
             <a:r>
-              <a:rPr lang="ru-RU" dirty="0" smtClean="0"/>
-              <a:t>Образец заголовка</a:t>
+              <a:rPr lang="en-US" dirty="0" smtClean="0"/>
+              <a:t>Click to edit Master title style</a:t>
             </a:r>
             <a:endParaRPr lang="en-US" dirty="0"/>
           </a:p>
@@ -2067,7 +2067,7 @@
       </p:sp>
       <p:sp>
         <p:nvSpPr>
-          <p:cNvPr id="8" name="Дата 4"/>
+          <p:cNvPr id="8" name="Date Placeholder 4"/>
           <p:cNvSpPr>
             <a:spLocks noGrp="1"/>
           </p:cNvSpPr>
@@ -2097,17 +2097,17 @@
           </a:lstStyle>
           <a:p>
             <a:fld id="{51E84241-D031-42DE-84E4-CC10C30232F4}" type="datetimeFigureOut">
-              <a:rPr lang="ru-RU" smtClean="0"/>
+              <a:rPr lang="en-US" smtClean="0"/>
               <a:pPr/>
               <a:t>22.10.2013</a:t>
             </a:fld>
-            <a:endParaRPr lang="ru-RU" dirty="0"/>
-          </a:p>
-        </p:txBody>
-      </p:sp>
-      <p:sp>
-        <p:nvSpPr>
-          <p:cNvPr id="9" name="Нижний колонтитул 5"/>
+            <a:endParaRPr lang="en-US" dirty="0"/>
+          </a:p>
+        </p:txBody>
+      </p:sp>
+      <p:sp>
+        <p:nvSpPr>
+          <p:cNvPr id="9" name="Footer Placeholder 5"/>
           <p:cNvSpPr>
             <a:spLocks noGrp="1"/>
           </p:cNvSpPr>
@@ -2136,13 +2136,13 @@
             </a:lvl1pPr>
           </a:lstStyle>
           <a:p>
-            <a:endParaRPr lang="ru-RU"/>
-          </a:p>
-        </p:txBody>
-      </p:sp>
-      <p:sp>
-        <p:nvSpPr>
-          <p:cNvPr id="10" name="Номер слайда 6"/>
+            <a:endParaRPr lang="en-US"/>
+          </a:p>
+        </p:txBody>
+      </p:sp>
+      <p:sp>
+        <p:nvSpPr>
+          <p:cNvPr id="10" name="Slide Number Placeholder 6"/>
           <p:cNvSpPr>
             <a:spLocks noGrp="1"/>
           </p:cNvSpPr>
@@ -2172,11 +2172,11 @@
           </a:lstStyle>
           <a:p>
             <a:fld id="{6B5AA3AA-5EA9-4976-BF6C-9891F6110747}" type="slidenum">
-              <a:rPr lang="ru-RU" smtClean="0"/>
+              <a:rPr lang="en-US" smtClean="0"/>
               <a:pPr/>
               <a:t>‹#›</a:t>
             </a:fld>
-            <a:endParaRPr lang="ru-RU"/>
+            <a:endParaRPr lang="en-US"/>
           </a:p>
         </p:txBody>
       </p:sp>
@@ -2246,8 +2246,8 @@
           <a:lstStyle/>
           <a:p>
             <a:r>
-              <a:rPr lang="ru-RU" dirty="0" smtClean="0"/>
-              <a:t>Образец заголовка</a:t>
+              <a:rPr lang="en-US" dirty="0" smtClean="0"/>
+              <a:t>Click to edit Master title style</a:t>
             </a:r>
             <a:endParaRPr lang="en-US" dirty="0"/>
           </a:p>
@@ -2280,36 +2280,36 @@
           <a:p>
             <a:pPr lvl="0"/>
             <a:r>
-              <a:rPr lang="ru-RU" dirty="0" smtClean="0"/>
-              <a:t>Образец текста</a:t>
+              <a:rPr lang="en-US" dirty="0" smtClean="0"/>
+              <a:t>Click to edit Master text styles</a:t>
             </a:r>
           </a:p>
           <a:p>
             <a:pPr lvl="1"/>
             <a:r>
-              <a:rPr lang="ru-RU" dirty="0" smtClean="0"/>
-              <a:t>Второй уровень</a:t>
+              <a:rPr lang="en-US" dirty="0" smtClean="0"/>
+              <a:t>Second level</a:t>
             </a:r>
           </a:p>
           <a:p>
             <a:pPr lvl="2"/>
             <a:r>
-              <a:rPr lang="ru-RU" dirty="0" smtClean="0"/>
-              <a:t>Третий уровень</a:t>
+              <a:rPr lang="en-US" dirty="0" smtClean="0"/>
+              <a:t>Third level</a:t>
             </a:r>
           </a:p>
           <a:p>
             <a:pPr lvl="3"/>
             <a:r>
-              <a:rPr lang="ru-RU" dirty="0" smtClean="0"/>
-              <a:t>Четвертый уровень</a:t>
+              <a:rPr lang="en-US" dirty="0" smtClean="0"/>
+              <a:t>Fourth level</a:t>
             </a:r>
           </a:p>
           <a:p>
             <a:pPr lvl="4"/>
             <a:r>
-              <a:rPr lang="ru-RU" dirty="0" smtClean="0"/>
-              <a:t>Пятый уровень</a:t>
+              <a:rPr lang="en-US" dirty="0" smtClean="0"/>
+              <a:t>Fifth level</a:t>
             </a:r>
             <a:endParaRPr lang="en-US" dirty="0" smtClean="0"/>
           </a:p>
@@ -2317,7 +2317,7 @@
       </p:sp>
       <p:sp>
         <p:nvSpPr>
-          <p:cNvPr id="8" name="Дата 4"/>
+          <p:cNvPr id="8" name="Date Placeholder 4"/>
           <p:cNvSpPr>
             <a:spLocks noGrp="1"/>
           </p:cNvSpPr>
@@ -2347,17 +2347,17 @@
           </a:lstStyle>
           <a:p>
             <a:fld id="{51E84241-D031-42DE-84E4-CC10C30232F4}" type="datetimeFigureOut">
-              <a:rPr lang="ru-RU" smtClean="0"/>
+              <a:rPr lang="en-US" smtClean="0"/>
               <a:pPr/>
               <a:t>22.10.2013</a:t>
             </a:fld>
-            <a:endParaRPr lang="ru-RU" dirty="0"/>
-          </a:p>
-        </p:txBody>
-      </p:sp>
-      <p:sp>
-        <p:nvSpPr>
-          <p:cNvPr id="9" name="Нижний колонтитул 5"/>
+            <a:endParaRPr lang="en-US" dirty="0"/>
+          </a:p>
+        </p:txBody>
+      </p:sp>
+      <p:sp>
+        <p:nvSpPr>
+          <p:cNvPr id="9" name="Footer Placeholder 5"/>
           <p:cNvSpPr>
             <a:spLocks noGrp="1"/>
           </p:cNvSpPr>
@@ -2386,13 +2386,13 @@
             </a:lvl1pPr>
           </a:lstStyle>
           <a:p>
-            <a:endParaRPr lang="ru-RU"/>
-          </a:p>
-        </p:txBody>
-      </p:sp>
-      <p:sp>
-        <p:nvSpPr>
-          <p:cNvPr id="10" name="Номер слайда 6"/>
+            <a:endParaRPr lang="en-US"/>
+          </a:p>
+        </p:txBody>
+      </p:sp>
+      <p:sp>
+        <p:nvSpPr>
+          <p:cNvPr id="10" name="Slide Number Placeholder 6"/>
           <p:cNvSpPr>
             <a:spLocks noGrp="1"/>
           </p:cNvSpPr>
@@ -2422,11 +2422,11 @@
           </a:lstStyle>
           <a:p>
             <a:fld id="{6B5AA3AA-5EA9-4976-BF6C-9891F6110747}" type="slidenum">
-              <a:rPr lang="ru-RU" smtClean="0"/>
+              <a:rPr lang="en-US" smtClean="0"/>
               <a:pPr/>
               <a:t>‹#›</a:t>
             </a:fld>
-            <a:endParaRPr lang="ru-RU"/>
+            <a:endParaRPr lang="en-US"/>
           </a:p>
         </p:txBody>
       </p:sp>
@@ -2785,7 +2785,7 @@
       </p:grpSpPr>
       <p:sp>
         <p:nvSpPr>
-          <p:cNvPr id="4" name="Заголовок 3"/>
+          <p:cNvPr id="4" name="Title 3"/>
           <p:cNvSpPr>
             <a:spLocks noGrp="1"/>
           </p:cNvSpPr>
@@ -2798,13 +2798,13 @@
           <a:bodyPr/>
           <a:lstStyle/>
           <a:p>
-            <a:endParaRPr lang="ru-RU"/>
-          </a:p>
-        </p:txBody>
-      </p:sp>
-      <p:sp>
-        <p:nvSpPr>
-          <p:cNvPr id="5" name="Подзаголовок 4"/>
+            <a:endParaRPr lang="en-US"/>
+          </a:p>
+        </p:txBody>
+      </p:sp>
+      <p:sp>
+        <p:nvSpPr>
+          <p:cNvPr id="5" name="Subtitle 4"/>
           <p:cNvSpPr>
             <a:spLocks noGrp="1"/>
           </p:cNvSpPr>
@@ -2817,7 +2817,7 @@
           <a:bodyPr/>
           <a:lstStyle/>
           <a:p>
-            <a:endParaRPr lang="ru-RU"/>
+            <a:endParaRPr lang="en-US"/>
           </a:p>
         </p:txBody>
       </p:sp>
@@ -2875,7 +2875,7 @@
         <a:srgbClr val="753D3D"/>
       </a:folHlink>
     </a:clrScheme>
-    <a:fontScheme name="Классическая">
+    <a:fontScheme name="Classic">
       <a:majorFont>
         <a:latin typeface="Arial"/>
         <a:ea typeface=""/>
@@ -2947,7 +2947,7 @@
         <a:font script="Geor" typeface="Sylfaen"/>
       </a:minorFont>
     </a:fontScheme>
-    <a:fmtScheme name="Исполнительная">
+    <a:fmtScheme name="Executive">
       <a:fillStyleLst>
         <a:solidFill>
           <a:schemeClr val="phClr"/>
